--- a/ANTRIAN ONLINE BPJS KESEHATAN.pptx
+++ b/ANTRIAN ONLINE BPJS KESEHATAN.pptx
@@ -5,7 +5,7 @@
     <p:sldMasterId id="2147483648" r:id="rId1"/>
   </p:sldMasterIdLst>
   <p:handoutMasterIdLst>
-    <p:handoutMasterId r:id="rId16"/>
+    <p:handoutMasterId r:id="rId17"/>
   </p:handoutMasterIdLst>
   <p:sldIdLst>
     <p:sldId id="256" r:id="rId2"/>
@@ -21,7 +21,8 @@
     <p:sldId id="271" r:id="rId12"/>
     <p:sldId id="257" r:id="rId13"/>
     <p:sldId id="263" r:id="rId14"/>
-    <p:sldId id="258" r:id="rId15"/>
+    <p:sldId id="272" r:id="rId15"/>
+    <p:sldId id="258" r:id="rId16"/>
   </p:sldIdLst>
   <p:sldSz cx="9144000" cy="5143500" type="screen16x9"/>
   <p:notesSz cx="6858000" cy="9144000"/>
@@ -235,7 +236,7 @@
           <a:p>
             <a:fld id="{53876D8E-1D2A-4CEB-A939-B07D56CB96B3}" type="datetimeFigureOut">
               <a:rPr lang="en-US" smtClean="0"/>
-              <a:t>5/1/2023</a:t>
+              <a:t>5/5/2023</a:t>
             </a:fld>
             <a:endParaRPr lang="en-US"/>
           </a:p>
@@ -517,7 +518,7 @@
           <a:p>
             <a:fld id="{5878889C-009C-4E59-8F5B-AC0CF955DFFE}" type="datetimeFigureOut">
               <a:rPr lang="en-US" smtClean="0"/>
-              <a:t>5/1/2023</a:t>
+              <a:t>5/5/2023</a:t>
             </a:fld>
             <a:endParaRPr lang="en-US"/>
           </a:p>
@@ -793,7 +794,7 @@
           <a:p>
             <a:fld id="{5878889C-009C-4E59-8F5B-AC0CF955DFFE}" type="datetimeFigureOut">
               <a:rPr lang="en-US" smtClean="0"/>
-              <a:t>5/1/2023</a:t>
+              <a:t>5/5/2023</a:t>
             </a:fld>
             <a:endParaRPr lang="en-US"/>
           </a:p>
@@ -1081,7 +1082,7 @@
             <a:fld id="{5878889C-009C-4E59-8F5B-AC0CF955DFFE}" type="datetimeFigureOut">
               <a:rPr lang="en-US" smtClean="0"/>
               <a:pPr/>
-              <a:t>5/1/2023</a:t>
+              <a:t>5/5/2023</a:t>
             </a:fld>
             <a:endParaRPr lang="en-US"/>
           </a:p>
@@ -1361,7 +1362,7 @@
           <a:p>
             <a:fld id="{5878889C-009C-4E59-8F5B-AC0CF955DFFE}" type="datetimeFigureOut">
               <a:rPr lang="en-US" smtClean="0"/>
-              <a:t>5/1/2023</a:t>
+              <a:t>5/5/2023</a:t>
             </a:fld>
             <a:endParaRPr lang="en-US"/>
           </a:p>
@@ -1572,7 +1573,7 @@
           <a:p>
             <a:fld id="{5878889C-009C-4E59-8F5B-AC0CF955DFFE}" type="datetimeFigureOut">
               <a:rPr lang="en-US" smtClean="0"/>
-              <a:t>5/1/2023</a:t>
+              <a:t>5/5/2023</a:t>
             </a:fld>
             <a:endParaRPr lang="en-US"/>
           </a:p>
@@ -2346,6 +2347,115 @@
 </file>
 
 <file path=ppt/slides/slide14.xml><?xml version="1.0" encoding="utf-8"?>
+<p:sld xmlns:a="http://schemas.openxmlformats.org/drawingml/2006/main" xmlns:r="http://schemas.openxmlformats.org/officeDocument/2006/relationships" xmlns:p="http://schemas.openxmlformats.org/presentationml/2006/main">
+  <p:cSld>
+    <p:spTree>
+      <p:nvGrpSpPr>
+        <p:cNvPr id="1" name=""/>
+        <p:cNvGrpSpPr/>
+        <p:nvPr/>
+      </p:nvGrpSpPr>
+      <p:grpSpPr>
+        <a:xfrm>
+          <a:off x="0" y="0"/>
+          <a:ext cx="0" cy="0"/>
+          <a:chOff x="0" y="0"/>
+          <a:chExt cx="0" cy="0"/>
+        </a:xfrm>
+      </p:grpSpPr>
+      <p:sp>
+        <p:nvSpPr>
+          <p:cNvPr id="2" name="Title 1">
+            <a:extLst>
+              <a:ext uri="{FF2B5EF4-FFF2-40B4-BE49-F238E27FC236}">
+                <a16:creationId xmlns:a16="http://schemas.microsoft.com/office/drawing/2014/main" id="{D22071D3-4223-4A0B-A383-3AB766EC017E}"/>
+              </a:ext>
+            </a:extLst>
+          </p:cNvPr>
+          <p:cNvSpPr>
+            <a:spLocks noGrp="1"/>
+          </p:cNvSpPr>
+          <p:nvPr>
+            <p:ph type="title"/>
+          </p:nvPr>
+        </p:nvSpPr>
+        <p:spPr/>
+        <p:txBody>
+          <a:bodyPr>
+            <a:normAutofit fontScale="90000"/>
+          </a:bodyPr>
+          <a:lstStyle/>
+          <a:p>
+            <a:r>
+              <a:rPr lang="en-US" dirty="0"/>
+              <a:t>Required Hardware &amp; Network</a:t>
+            </a:r>
+            <a:endParaRPr lang="id-ID" dirty="0"/>
+          </a:p>
+        </p:txBody>
+      </p:sp>
+      <p:sp>
+        <p:nvSpPr>
+          <p:cNvPr id="4" name="Content Placeholder 2">
+            <a:extLst>
+              <a:ext uri="{FF2B5EF4-FFF2-40B4-BE49-F238E27FC236}">
+                <a16:creationId xmlns:a16="http://schemas.microsoft.com/office/drawing/2014/main" id="{6D3A23A7-CDB0-4273-9998-55C4D6D82DC2}"/>
+              </a:ext>
+            </a:extLst>
+          </p:cNvPr>
+          <p:cNvSpPr>
+            <a:spLocks noGrp="1"/>
+          </p:cNvSpPr>
+          <p:nvPr>
+            <p:ph idx="1"/>
+          </p:nvPr>
+        </p:nvSpPr>
+        <p:spPr>
+          <a:xfrm>
+            <a:off x="1979712" y="1200151"/>
+            <a:ext cx="6707088" cy="3394472"/>
+          </a:xfrm>
+        </p:spPr>
+        <p:txBody>
+          <a:bodyPr/>
+          <a:lstStyle/>
+          <a:p>
+            <a:r>
+              <a:rPr lang="en-US" dirty="0"/>
+              <a:t>PC SERVER</a:t>
+            </a:r>
+          </a:p>
+          <a:p>
+            <a:r>
+              <a:rPr lang="en-US" dirty="0"/>
+              <a:t>Domain &amp; SSL</a:t>
+            </a:r>
+          </a:p>
+          <a:p>
+            <a:r>
+              <a:rPr lang="en-US" dirty="0"/>
+              <a:t>IP Public</a:t>
+            </a:r>
+          </a:p>
+          <a:p>
+            <a:endParaRPr lang="id-ID" dirty="0"/>
+          </a:p>
+        </p:txBody>
+      </p:sp>
+    </p:spTree>
+    <p:extLst>
+      <p:ext uri="{BB962C8B-B14F-4D97-AF65-F5344CB8AC3E}">
+        <p14:creationId xmlns:p14="http://schemas.microsoft.com/office/powerpoint/2010/main" val="3779165531"/>
+      </p:ext>
+    </p:extLst>
+  </p:cSld>
+  <p:clrMapOvr>
+    <a:masterClrMapping/>
+  </p:clrMapOvr>
+</p:sld>
+</file>
+
+<file path=ppt/slides/slide15.xml><?xml version="1.0" encoding="utf-8"?>
 <p:sld xmlns:a="http://schemas.openxmlformats.org/drawingml/2006/main" xmlns:r="http://schemas.openxmlformats.org/officeDocument/2006/relationships" xmlns:p="http://schemas.openxmlformats.org/presentationml/2006/main">
   <p:cSld>
     <p:spTree>
